--- a/DTN/DTN-London-IETF-101.pptx
+++ b/DTN/DTN-London-IETF-101.pptx
@@ -4402,8 +4402,8 @@
         </p:nvSpPr>
         <p:spPr>
           <a:xfrm>
-            <a:off x="331260" y="133350"/>
-            <a:ext cx="4431240" cy="1324890"/>
+            <a:off x="152400" y="133350"/>
+            <a:ext cx="5029200" cy="1324890"/>
           </a:xfrm>
           <a:prstGeom prst="rect">
             <a:avLst/>
@@ -4431,6 +4431,36 @@
           <a:p>
             <a:pPr algn="ctr"/>
             <a:r>
+              <a:rPr lang="en-US" sz="2800" b="1" spc="-1" dirty="0" smtClean="0">
+                <a:solidFill>
+                  <a:srgbClr val="000000"/>
+                </a:solidFill>
+                <a:uFill>
+                  <a:solidFill>
+                    <a:srgbClr val="FFFFFF"/>
+                  </a:solidFill>
+                </a:uFill>
+                <a:latin typeface="Calibri"/>
+                <a:ea typeface="Calibri"/>
+              </a:rPr>
+              <a:t>Internet in Space</a:t>
+            </a:r>
+            <a:endParaRPr lang="en-US" sz="2800" b="1" strike="noStrike" spc="-1" dirty="0" smtClean="0">
+              <a:solidFill>
+                <a:srgbClr val="000000"/>
+              </a:solidFill>
+              <a:uFill>
+                <a:solidFill>
+                  <a:srgbClr val="FFFFFF"/>
+                </a:solidFill>
+              </a:uFill>
+              <a:latin typeface="Calibri"/>
+              <a:ea typeface="Calibri"/>
+            </a:endParaRPr>
+          </a:p>
+          <a:p>
+            <a:pPr algn="ctr"/>
+            <a:r>
               <a:rPr lang="en-US" sz="2800" b="1" strike="noStrike" spc="-1" dirty="0" smtClean="0">
                 <a:solidFill>
                   <a:srgbClr val="000000"/>
@@ -4443,11 +4473,8 @@
                 <a:latin typeface="Calibri"/>
                 <a:ea typeface="Calibri"/>
               </a:rPr>
-              <a:t>DTN</a:t>
-            </a:r>
-          </a:p>
-          <a:p>
-            <a:pPr algn="ctr"/>
+              <a:t>DTN - Delay </a:t>
+            </a:r>
             <a:r>
               <a:rPr lang="en-US" sz="2800" b="1" strike="noStrike" spc="-1" dirty="0" smtClean="0">
                 <a:solidFill>
@@ -4461,7 +4488,7 @@
                 <a:latin typeface="Calibri"/>
                 <a:ea typeface="Calibri"/>
               </a:rPr>
-              <a:t>Delay Tolerant Networking</a:t>
+              <a:t>Tolerant Networking</a:t>
             </a:r>
             <a:endParaRPr lang="en-US" sz="2800" b="1" strike="noStrike" spc="-1" dirty="0">
               <a:solidFill>
@@ -4485,8 +4512,8 @@
         </p:nvSpPr>
         <p:spPr>
           <a:xfrm>
-            <a:off x="266889" y="1458240"/>
-            <a:ext cx="4736520" cy="1685160"/>
+            <a:off x="266889" y="1657350"/>
+            <a:ext cx="4736520" cy="1065810"/>
           </a:xfrm>
           <a:prstGeom prst="rect">
             <a:avLst/>
@@ -4703,7 +4730,7 @@
         </p:blipFill>
         <p:spPr bwMode="auto">
           <a:xfrm>
-            <a:off x="1143000" y="2647950"/>
+            <a:off x="1143000" y="3181350"/>
             <a:ext cx="3200400" cy="885463"/>
           </a:xfrm>
           <a:prstGeom prst="rect">
@@ -4767,7 +4794,7 @@
         </p:blipFill>
         <p:spPr bwMode="auto">
           <a:xfrm>
-            <a:off x="1240642" y="3826612"/>
+            <a:off x="1240642" y="4053147"/>
             <a:ext cx="2789014" cy="1033203"/>
           </a:xfrm>
           <a:prstGeom prst="rect">
@@ -6341,22 +6368,7 @@
                 <a:latin typeface="Calibri"/>
                 <a:ea typeface="Calibri"/>
               </a:rPr>
-              <a:t> DTN </a:t>
-            </a:r>
-            <a:r>
-              <a:rPr lang="en-US" sz="2400" b="0" strike="noStrike" spc="-1" dirty="0" smtClean="0">
-                <a:solidFill>
-                  <a:srgbClr val="000000"/>
-                </a:solidFill>
-                <a:uFill>
-                  <a:solidFill>
-                    <a:srgbClr val="FFFFFF"/>
-                  </a:solidFill>
-                </a:uFill>
-                <a:latin typeface="Calibri"/>
-                <a:ea typeface="Calibri"/>
-              </a:rPr>
-              <a:t>TCPCL protocol</a:t>
+              <a:t> DTN TCPCL protocol</a:t>
             </a:r>
             <a:endParaRPr lang="en-US" sz="2000" spc="-1" dirty="0" smtClean="0">
               <a:solidFill>

--- a/DTN/DTN-London-IETF-101.pptx
+++ b/DTN/DTN-London-IETF-101.pptx
@@ -4402,7 +4402,7 @@
         </p:nvSpPr>
         <p:spPr>
           <a:xfrm>
-            <a:off x="152400" y="133350"/>
+            <a:off x="1905000" y="30992"/>
             <a:ext cx="5029200" cy="1324890"/>
           </a:xfrm>
           <a:prstGeom prst="rect">
@@ -4473,22 +4473,7 @@
                 <a:latin typeface="Calibri"/>
                 <a:ea typeface="Calibri"/>
               </a:rPr>
-              <a:t>DTN - Delay </a:t>
-            </a:r>
-            <a:r>
-              <a:rPr lang="en-US" sz="2800" b="1" strike="noStrike" spc="-1" dirty="0" smtClean="0">
-                <a:solidFill>
-                  <a:srgbClr val="000000"/>
-                </a:solidFill>
-                <a:uFill>
-                  <a:solidFill>
-                    <a:srgbClr val="FFFFFF"/>
-                  </a:solidFill>
-                </a:uFill>
-                <a:latin typeface="Calibri"/>
-                <a:ea typeface="Calibri"/>
-              </a:rPr>
-              <a:t>Tolerant Networking</a:t>
+              <a:t>DTN - Delay Tolerant Networking</a:t>
             </a:r>
             <a:endParaRPr lang="en-US" sz="2800" b="1" strike="noStrike" spc="-1" dirty="0">
               <a:solidFill>
@@ -4686,29 +4671,6 @@
       </p:sp>
       <p:pic>
         <p:nvPicPr>
-          <p:cNvPr id="76" name="Picture 6"/>
-          <p:cNvPicPr/>
-          <p:nvPr/>
-        </p:nvPicPr>
-        <p:blipFill>
-          <a:blip r:embed="rId2"/>
-          <a:stretch/>
-        </p:blipFill>
-        <p:spPr>
-          <a:xfrm rot="5400000">
-            <a:off x="4643280" y="642240"/>
-            <a:ext cx="5142960" cy="3857040"/>
-          </a:xfrm>
-          <a:prstGeom prst="rect">
-            <a:avLst/>
-          </a:prstGeom>
-          <a:ln w="12600">
-            <a:noFill/>
-          </a:ln>
-        </p:spPr>
-      </p:pic>
-      <p:pic>
-        <p:nvPicPr>
           <p:cNvPr id="5" name="Picture 2"/>
           <p:cNvPicPr>
             <a:picLocks noChangeAspect="1" noChangeArrowheads="1"/>
@@ -4716,7 +4678,7 @@
           <p:nvPr/>
         </p:nvPicPr>
         <p:blipFill>
-          <a:blip r:embed="rId3" cstate="print">
+          <a:blip r:embed="rId2" cstate="print">
             <a:extLst>
               <a:ext uri="{28A0092B-C50C-407E-A947-70E740481C1C}">
                 <a14:useLocalDpi xmlns:a14="http://schemas.microsoft.com/office/drawing/2010/main" val="0"/>
@@ -4730,8 +4692,8 @@
         </p:blipFill>
         <p:spPr bwMode="auto">
           <a:xfrm>
-            <a:off x="1143000" y="3181350"/>
-            <a:ext cx="3200400" cy="885463"/>
+            <a:off x="708707" y="3009027"/>
+            <a:ext cx="2667000" cy="737886"/>
           </a:xfrm>
           <a:prstGeom prst="rect">
             <a:avLst/>
@@ -4780,7 +4742,7 @@
           <p:nvPr/>
         </p:nvPicPr>
         <p:blipFill>
-          <a:blip r:embed="rId4">
+          <a:blip r:embed="rId3">
             <a:extLst>
               <a:ext uri="{28A0092B-C50C-407E-A947-70E740481C1C}">
                 <a14:useLocalDpi xmlns:a14="http://schemas.microsoft.com/office/drawing/2010/main" val="0"/>
@@ -4794,8 +4756,72 @@
         </p:blipFill>
         <p:spPr bwMode="auto">
           <a:xfrm>
-            <a:off x="1240642" y="4053147"/>
-            <a:ext cx="2789014" cy="1033203"/>
+            <a:off x="914400" y="4019102"/>
+            <a:ext cx="2255614" cy="835603"/>
+          </a:xfrm>
+          <a:prstGeom prst="rect">
+            <a:avLst/>
+          </a:prstGeom>
+          <a:noFill/>
+          <a:ln>
+            <a:noFill/>
+          </a:ln>
+          <a:effectLst/>
+          <a:extLst>
+            <a:ext uri="{909E8E84-426E-40DD-AFC4-6F175D3DCCD1}">
+              <a14:hiddenFill xmlns:a14="http://schemas.microsoft.com/office/drawing/2010/main">
+                <a:solidFill>
+                  <a:schemeClr val="accent1"/>
+                </a:solidFill>
+              </a14:hiddenFill>
+            </a:ext>
+            <a:ext uri="{91240B29-F687-4F45-9708-019B960494DF}">
+              <a14:hiddenLine xmlns:a14="http://schemas.microsoft.com/office/drawing/2010/main" w="9525">
+                <a:solidFill>
+                  <a:schemeClr val="tx1"/>
+                </a:solidFill>
+                <a:miter lim="800000"/>
+                <a:headEnd/>
+                <a:tailEnd/>
+              </a14:hiddenLine>
+            </a:ext>
+            <a:ext uri="{AF507438-7753-43E0-B8FC-AC1667EBCBE1}">
+              <a14:hiddenEffects xmlns:a14="http://schemas.microsoft.com/office/drawing/2010/main">
+                <a:effectLst>
+                  <a:outerShdw dist="35921" dir="2700000" algn="ctr" rotWithShape="0">
+                    <a:schemeClr val="bg2"/>
+                  </a:outerShdw>
+                </a:effectLst>
+              </a14:hiddenEffects>
+            </a:ext>
+          </a:extLst>
+        </p:spPr>
+      </p:pic>
+      <p:pic>
+        <p:nvPicPr>
+          <p:cNvPr id="1027" name="Picture 3"/>
+          <p:cNvPicPr>
+            <a:picLocks noChangeAspect="1" noChangeArrowheads="1"/>
+          </p:cNvPicPr>
+          <p:nvPr/>
+        </p:nvPicPr>
+        <p:blipFill>
+          <a:blip r:embed="rId4" cstate="print">
+            <a:extLst>
+              <a:ext uri="{28A0092B-C50C-407E-A947-70E740481C1C}">
+                <a14:useLocalDpi xmlns:a14="http://schemas.microsoft.com/office/drawing/2010/main" val="0"/>
+              </a:ext>
+            </a:extLst>
+          </a:blip>
+          <a:srcRect/>
+          <a:stretch>
+            <a:fillRect/>
+          </a:stretch>
+        </p:blipFill>
+        <p:spPr bwMode="auto">
+          <a:xfrm>
+            <a:off x="4038600" y="1581150"/>
+            <a:ext cx="4700588" cy="2855754"/>
           </a:xfrm>
           <a:prstGeom prst="rect">
             <a:avLst/>
